--- a/MotionSenese/Presentation1.pptx
+++ b/MotionSenese/Presentation1.pptx
@@ -3046,6 +3046,15 @@
 <file path=ppt/slides/slide1.xml><?xml version="1.0" encoding="utf-8"?>
 <p:sld xmlns:a="http://schemas.openxmlformats.org/drawingml/2006/main" xmlns:r="http://schemas.openxmlformats.org/officeDocument/2006/relationships" xmlns:p="http://schemas.openxmlformats.org/presentationml/2006/main" showMasterSp="1" showMasterPhAnim="1">
   <p:cSld>
+    <p:bg>
+      <p:bgPr>
+        <a:blipFill rotWithShape="1">
+          <a:blip r:embed="rId2"/>
+          <a:srcRect l="0" t="0" r="0" b="0"/>
+          <a:tile tx="0" ty="0" sx="100000" sy="100000" flip="none" algn="tl"/>
+        </a:blipFill>
+      </p:bgPr>
+    </p:bg>
     <p:spTree>
       <p:nvGrpSpPr>
         <p:cNvPr id="1" name=""/>
@@ -3120,6 +3129,15 @@
 <file path=ppt/slides/slide2.xml><?xml version="1.0" encoding="utf-8"?>
 <p:sld xmlns:a="http://schemas.openxmlformats.org/drawingml/2006/main" xmlns:r="http://schemas.openxmlformats.org/officeDocument/2006/relationships" xmlns:p="http://schemas.openxmlformats.org/presentationml/2006/main" showMasterSp="1" showMasterPhAnim="1">
   <p:cSld>
+    <p:bg>
+      <p:bgPr>
+        <a:blipFill rotWithShape="1">
+          <a:blip r:embed="rId2"/>
+          <a:srcRect l="0" t="0" r="0" b="0"/>
+          <a:tile tx="0" ty="0" sx="100000" sy="100000" flip="none" algn="tl"/>
+        </a:blipFill>
+      </p:bgPr>
+    </p:bg>
     <p:spTree>
       <p:nvGrpSpPr>
         <p:cNvPr id="1" name=""/>
@@ -3217,12 +3235,178 @@
     <a:masterClrMapping/>
   </p:clrMapOvr>
   <p:transition xmlns:p14="http://schemas.microsoft.com/office/powerpoint/2010/main" spd="med" advClick="1"/>
+  <p:timing>
+    <p:tnLst>
+      <p:par>
+        <p:cTn id="1" nodeType="tmRoot" restart="never" dur="indefinite" fill="hold">
+          <p:childTnLst>
+            <p:seq concurrent="1" prevAc="none" nextAc="seek">
+              <p:cTn id="2" nodeType="mainSeq" dur="indefinite" fill="hold">
+                <p:childTnLst>
+                  <p:par>
+                    <p:cTn id="3" fill="hold">
+                      <p:stCondLst>
+                        <p:cond delay="indefinite"/>
+                      </p:stCondLst>
+                      <p:childTnLst>
+                        <p:par>
+                          <p:cTn id="4" fill="hold">
+                            <p:stCondLst>
+                              <p:cond delay="0"/>
+                            </p:stCondLst>
+                            <p:childTnLst>
+                              <p:par>
+                                <p:cTn id="5" presetClass="entr" nodeType="clickEffect" presetSubtype="0" presetID="1" grpId="1" fill="hold">
+                                  <p:stCondLst>
+                                    <p:cond delay="0"/>
+                                  </p:stCondLst>
+                                  <p:iterate type="el" backwards="0">
+                                    <p:tmAbs val="0"/>
+                                  </p:iterate>
+                                  <p:childTnLst>
+                                    <p:set>
+                                      <p:cBhvr>
+                                        <p:cTn id="6" fill="hold"/>
+                                        <p:tgtEl>
+                                          <p:spTgt spid="123">
+                                            <p:bg/>
+                                          </p:spTgt>
+                                        </p:tgtEl>
+                                        <p:attrNameLst>
+                                          <p:attrName>style.visibility</p:attrName>
+                                        </p:attrNameLst>
+                                      </p:cBhvr>
+                                      <p:to>
+                                        <p:strVal val="visible"/>
+                                      </p:to>
+                                    </p:set>
+                                  </p:childTnLst>
+                                </p:cTn>
+                              </p:par>
+                              <p:par>
+                                <p:cTn id="7" presetClass="entr" nodeType="withEffect" presetSubtype="0" presetID="1" grpId="1" fill="hold">
+                                  <p:stCondLst>
+                                    <p:cond delay="0"/>
+                                  </p:stCondLst>
+                                  <p:iterate type="el" backwards="0">
+                                    <p:tmAbs val="0"/>
+                                  </p:iterate>
+                                  <p:childTnLst>
+                                    <p:set>
+                                      <p:cBhvr>
+                                        <p:cTn id="8" fill="hold"/>
+                                        <p:tgtEl>
+                                          <p:spTgt spid="123">
+                                            <p:txEl>
+                                              <p:pRg st="0" end="0"/>
+                                            </p:txEl>
+                                          </p:spTgt>
+                                        </p:tgtEl>
+                                        <p:attrNameLst>
+                                          <p:attrName>style.visibility</p:attrName>
+                                        </p:attrNameLst>
+                                      </p:cBhvr>
+                                      <p:to>
+                                        <p:strVal val="visible"/>
+                                      </p:to>
+                                    </p:set>
+                                  </p:childTnLst>
+                                </p:cTn>
+                              </p:par>
+                            </p:childTnLst>
+                          </p:cTn>
+                        </p:par>
+                      </p:childTnLst>
+                    </p:cTn>
+                  </p:par>
+                  <p:par>
+                    <p:cTn id="9" fill="hold">
+                      <p:stCondLst>
+                        <p:cond delay="indefinite"/>
+                      </p:stCondLst>
+                      <p:childTnLst>
+                        <p:par>
+                          <p:cTn id="10" fill="hold">
+                            <p:stCondLst>
+                              <p:cond delay="0"/>
+                            </p:stCondLst>
+                            <p:childTnLst>
+                              <p:par>
+                                <p:cTn id="11" presetClass="entr" nodeType="clickEffect" presetSubtype="0" presetID="1" grpId="1" fill="hold">
+                                  <p:stCondLst>
+                                    <p:cond delay="0"/>
+                                  </p:stCondLst>
+                                  <p:iterate type="el" backwards="0">
+                                    <p:tmAbs val="0"/>
+                                  </p:iterate>
+                                  <p:childTnLst>
+                                    <p:set>
+                                      <p:cBhvr>
+                                        <p:cTn id="12" fill="hold"/>
+                                        <p:tgtEl>
+                                          <p:spTgt spid="123">
+                                            <p:txEl>
+                                              <p:pRg st="1" end="1"/>
+                                            </p:txEl>
+                                          </p:spTgt>
+                                        </p:tgtEl>
+                                        <p:attrNameLst>
+                                          <p:attrName>style.visibility</p:attrName>
+                                        </p:attrNameLst>
+                                      </p:cBhvr>
+                                      <p:to>
+                                        <p:strVal val="visible"/>
+                                      </p:to>
+                                    </p:set>
+                                  </p:childTnLst>
+                                </p:cTn>
+                              </p:par>
+                            </p:childTnLst>
+                          </p:cTn>
+                        </p:par>
+                      </p:childTnLst>
+                    </p:cTn>
+                  </p:par>
+                </p:childTnLst>
+              </p:cTn>
+              <p:prevCondLst>
+                <p:cond evt="onPrev">
+                  <p:tgtEl>
+                    <p:sldTgt/>
+                  </p:tgtEl>
+                </p:cond>
+              </p:prevCondLst>
+              <p:nextCondLst>
+                <p:cond evt="onNext">
+                  <p:tgtEl>
+                    <p:sldTgt/>
+                  </p:tgtEl>
+                </p:cond>
+              </p:nextCondLst>
+            </p:seq>
+          </p:childTnLst>
+        </p:cTn>
+      </p:par>
+    </p:tnLst>
+    <p:bldLst>
+      <p:bldP build="p" bldLvl="5" animBg="1" rev="0" advAuto="0" spid="123" grpId="1"/>
+    </p:bldLst>
+  </p:timing>
 </p:sld>
 </file>
 
 <file path=ppt/slides/slide3.xml><?xml version="1.0" encoding="utf-8"?>
 <p:sld xmlns:a="http://schemas.openxmlformats.org/drawingml/2006/main" xmlns:r="http://schemas.openxmlformats.org/officeDocument/2006/relationships" xmlns:p="http://schemas.openxmlformats.org/presentationml/2006/main" showMasterSp="1" showMasterPhAnim="1">
   <p:cSld>
+    <p:bg>
+      <p:bgPr>
+        <a:blipFill rotWithShape="1">
+          <a:blip r:embed="rId2"/>
+          <a:srcRect l="0" t="0" r="0" b="0"/>
+          <a:tile tx="0" ty="0" sx="100000" sy="100000" flip="none" algn="tl"/>
+        </a:blipFill>
+      </p:bgPr>
+    </p:bg>
     <p:spTree>
       <p:nvGrpSpPr>
         <p:cNvPr id="1" name=""/>
@@ -3414,12 +3598,226 @@
     <a:masterClrMapping/>
   </p:clrMapOvr>
   <p:transition xmlns:p14="http://schemas.microsoft.com/office/powerpoint/2010/main" spd="med" advClick="1"/>
+  <p:timing>
+    <p:tnLst>
+      <p:par>
+        <p:cTn id="1" nodeType="tmRoot" restart="never" dur="indefinite" fill="hold">
+          <p:childTnLst>
+            <p:seq concurrent="1" prevAc="none" nextAc="seek">
+              <p:cTn id="2" nodeType="mainSeq" dur="indefinite" fill="hold">
+                <p:childTnLst>
+                  <p:par>
+                    <p:cTn id="3" fill="hold">
+                      <p:stCondLst>
+                        <p:cond delay="indefinite"/>
+                      </p:stCondLst>
+                      <p:childTnLst>
+                        <p:par>
+                          <p:cTn id="4" fill="hold">
+                            <p:stCondLst>
+                              <p:cond delay="0"/>
+                            </p:stCondLst>
+                            <p:childTnLst>
+                              <p:par>
+                                <p:cTn id="5" presetClass="entr" nodeType="clickEffect" presetSubtype="0" presetID="1" grpId="1" fill="hold">
+                                  <p:stCondLst>
+                                    <p:cond delay="0"/>
+                                  </p:stCondLst>
+                                  <p:iterate type="el" backwards="0">
+                                    <p:tmAbs val="0"/>
+                                  </p:iterate>
+                                  <p:childTnLst>
+                                    <p:set>
+                                      <p:cBhvr>
+                                        <p:cTn id="6" fill="hold"/>
+                                        <p:tgtEl>
+                                          <p:spTgt spid="126">
+                                            <p:bg/>
+                                          </p:spTgt>
+                                        </p:tgtEl>
+                                        <p:attrNameLst>
+                                          <p:attrName>style.visibility</p:attrName>
+                                        </p:attrNameLst>
+                                      </p:cBhvr>
+                                      <p:to>
+                                        <p:strVal val="visible"/>
+                                      </p:to>
+                                    </p:set>
+                                  </p:childTnLst>
+                                </p:cTn>
+                              </p:par>
+                              <p:par>
+                                <p:cTn id="7" presetClass="entr" nodeType="withEffect" presetSubtype="0" presetID="1" grpId="1" fill="hold">
+                                  <p:stCondLst>
+                                    <p:cond delay="0"/>
+                                  </p:stCondLst>
+                                  <p:iterate type="el" backwards="0">
+                                    <p:tmAbs val="0"/>
+                                  </p:iterate>
+                                  <p:childTnLst>
+                                    <p:set>
+                                      <p:cBhvr>
+                                        <p:cTn id="8" fill="hold"/>
+                                        <p:tgtEl>
+                                          <p:spTgt spid="126">
+                                            <p:txEl>
+                                              <p:pRg st="0" end="0"/>
+                                            </p:txEl>
+                                          </p:spTgt>
+                                        </p:tgtEl>
+                                        <p:attrNameLst>
+                                          <p:attrName>style.visibility</p:attrName>
+                                        </p:attrNameLst>
+                                      </p:cBhvr>
+                                      <p:to>
+                                        <p:strVal val="visible"/>
+                                      </p:to>
+                                    </p:set>
+                                  </p:childTnLst>
+                                </p:cTn>
+                              </p:par>
+                            </p:childTnLst>
+                          </p:cTn>
+                        </p:par>
+                      </p:childTnLst>
+                    </p:cTn>
+                  </p:par>
+                  <p:par>
+                    <p:cTn id="9" fill="hold">
+                      <p:stCondLst>
+                        <p:cond delay="indefinite"/>
+                      </p:stCondLst>
+                      <p:childTnLst>
+                        <p:par>
+                          <p:cTn id="10" fill="hold">
+                            <p:stCondLst>
+                              <p:cond delay="0"/>
+                            </p:stCondLst>
+                            <p:childTnLst>
+                              <p:par>
+                                <p:cTn id="11" presetClass="entr" nodeType="clickEffect" presetSubtype="0" presetID="1" grpId="1" fill="hold">
+                                  <p:stCondLst>
+                                    <p:cond delay="0"/>
+                                  </p:stCondLst>
+                                  <p:iterate type="el" backwards="0">
+                                    <p:tmAbs val="0"/>
+                                  </p:iterate>
+                                  <p:childTnLst>
+                                    <p:set>
+                                      <p:cBhvr>
+                                        <p:cTn id="12" fill="hold"/>
+                                        <p:tgtEl>
+                                          <p:spTgt spid="126">
+                                            <p:txEl>
+                                              <p:pRg st="1" end="1"/>
+                                            </p:txEl>
+                                          </p:spTgt>
+                                        </p:tgtEl>
+                                        <p:attrNameLst>
+                                          <p:attrName>style.visibility</p:attrName>
+                                        </p:attrNameLst>
+                                      </p:cBhvr>
+                                      <p:to>
+                                        <p:strVal val="visible"/>
+                                      </p:to>
+                                    </p:set>
+                                  </p:childTnLst>
+                                </p:cTn>
+                              </p:par>
+                            </p:childTnLst>
+                          </p:cTn>
+                        </p:par>
+                      </p:childTnLst>
+                    </p:cTn>
+                  </p:par>
+                  <p:par>
+                    <p:cTn id="13" fill="hold">
+                      <p:stCondLst>
+                        <p:cond delay="indefinite"/>
+                      </p:stCondLst>
+                      <p:childTnLst>
+                        <p:par>
+                          <p:cTn id="14" fill="hold">
+                            <p:stCondLst>
+                              <p:cond delay="0"/>
+                            </p:stCondLst>
+                            <p:childTnLst>
+                              <p:par>
+                                <p:cTn id="15" presetClass="entr" nodeType="clickEffect" presetSubtype="0" presetID="1" grpId="1" fill="hold">
+                                  <p:stCondLst>
+                                    <p:cond delay="0"/>
+                                  </p:stCondLst>
+                                  <p:iterate type="el" backwards="0">
+                                    <p:tmAbs val="0"/>
+                                  </p:iterate>
+                                  <p:childTnLst>
+                                    <p:set>
+                                      <p:cBhvr>
+                                        <p:cTn id="16" fill="hold"/>
+                                        <p:tgtEl>
+                                          <p:spTgt spid="126">
+                                            <p:txEl>
+                                              <p:pRg st="2" end="2"/>
+                                            </p:txEl>
+                                          </p:spTgt>
+                                        </p:tgtEl>
+                                        <p:attrNameLst>
+                                          <p:attrName>style.visibility</p:attrName>
+                                        </p:attrNameLst>
+                                      </p:cBhvr>
+                                      <p:to>
+                                        <p:strVal val="visible"/>
+                                      </p:to>
+                                    </p:set>
+                                  </p:childTnLst>
+                                </p:cTn>
+                              </p:par>
+                            </p:childTnLst>
+                          </p:cTn>
+                        </p:par>
+                      </p:childTnLst>
+                    </p:cTn>
+                  </p:par>
+                </p:childTnLst>
+              </p:cTn>
+              <p:prevCondLst>
+                <p:cond evt="onPrev">
+                  <p:tgtEl>
+                    <p:sldTgt/>
+                  </p:tgtEl>
+                </p:cond>
+              </p:prevCondLst>
+              <p:nextCondLst>
+                <p:cond evt="onNext">
+                  <p:tgtEl>
+                    <p:sldTgt/>
+                  </p:tgtEl>
+                </p:cond>
+              </p:nextCondLst>
+            </p:seq>
+          </p:childTnLst>
+        </p:cTn>
+      </p:par>
+    </p:tnLst>
+    <p:bldLst>
+      <p:bldP build="p" bldLvl="5" animBg="1" rev="0" advAuto="0" spid="126" grpId="1"/>
+    </p:bldLst>
+  </p:timing>
 </p:sld>
 </file>
 
 <file path=ppt/slides/slide4.xml><?xml version="1.0" encoding="utf-8"?>
 <p:sld xmlns:a="http://schemas.openxmlformats.org/drawingml/2006/main" xmlns:r="http://schemas.openxmlformats.org/officeDocument/2006/relationships" xmlns:p="http://schemas.openxmlformats.org/presentationml/2006/main" showMasterSp="1" showMasterPhAnim="1">
   <p:cSld>
+    <p:bg>
+      <p:bgPr>
+        <a:blipFill rotWithShape="1">
+          <a:blip r:embed="rId2"/>
+          <a:srcRect l="0" t="0" r="0" b="0"/>
+          <a:tile tx="0" ty="0" sx="100000" sy="100000" flip="none" algn="tl"/>
+        </a:blipFill>
+      </p:bgPr>
+    </p:bg>
     <p:spTree>
       <p:nvGrpSpPr>
         <p:cNvPr id="1" name=""/>
@@ -3597,7 +3995,7 @@
           <p:nvPr/>
         </p:nvPicPr>
         <p:blipFill>
-          <a:blip r:embed="rId2">
+          <a:blip r:embed="rId3">
             <a:extLst/>
           </a:blip>
           <a:stretch>
@@ -3619,14 +4017,14 @@
       </p:pic>
       <p:pic>
         <p:nvPicPr>
-          <p:cNvPr id="131" name="Image" descr="Image"/>
+          <p:cNvPr id="131" name="rows.jpg" descr="rows.jpg"/>
           <p:cNvPicPr>
             <a:picLocks noChangeAspect="1"/>
           </p:cNvPicPr>
           <p:nvPr/>
         </p:nvPicPr>
         <p:blipFill>
-          <a:blip r:embed="rId3">
+          <a:blip r:embed="rId4">
             <a:extLst/>
           </a:blip>
           <a:stretch>
@@ -3635,8 +4033,8 @@
         </p:blipFill>
         <p:spPr>
           <a:xfrm>
-            <a:off x="1663700" y="2489200"/>
-            <a:ext cx="9677400" cy="1397000"/>
+            <a:off x="1422400" y="2282328"/>
+            <a:ext cx="10160000" cy="1397001"/>
           </a:xfrm>
           <a:prstGeom prst="rect">
             <a:avLst/>
@@ -3646,16 +4044,349 @@
           </a:ln>
         </p:spPr>
       </p:pic>
+    </p:spTree>
+  </p:cSld>
+  <p:clrMapOvr>
+    <a:masterClrMapping/>
+  </p:clrMapOvr>
+  <p:transition xmlns:p14="http://schemas.microsoft.com/office/powerpoint/2010/main" spd="med" advClick="1"/>
+  <p:timing>
+    <p:tnLst>
+      <p:par>
+        <p:cTn id="1" nodeType="tmRoot" restart="never" dur="indefinite" fill="hold">
+          <p:childTnLst>
+            <p:seq concurrent="1" prevAc="none" nextAc="seek">
+              <p:cTn id="2" nodeType="mainSeq" dur="indefinite" fill="hold">
+                <p:childTnLst>
+                  <p:par>
+                    <p:cTn id="3" fill="hold">
+                      <p:stCondLst>
+                        <p:cond delay="indefinite"/>
+                      </p:stCondLst>
+                      <p:childTnLst>
+                        <p:par>
+                          <p:cTn id="4" fill="hold">
+                            <p:stCondLst>
+                              <p:cond delay="0"/>
+                            </p:stCondLst>
+                            <p:childTnLst>
+                              <p:par>
+                                <p:cTn id="5" presetClass="entr" nodeType="clickEffect" presetSubtype="0" presetID="1" grpId="1" fill="hold">
+                                  <p:stCondLst>
+                                    <p:cond delay="0"/>
+                                  </p:stCondLst>
+                                  <p:iterate type="el" backwards="0">
+                                    <p:tmAbs val="0"/>
+                                  </p:iterate>
+                                  <p:childTnLst>
+                                    <p:set>
+                                      <p:cBhvr>
+                                        <p:cTn id="6" fill="hold"/>
+                                        <p:tgtEl>
+                                          <p:spTgt spid="129">
+                                            <p:bg/>
+                                          </p:spTgt>
+                                        </p:tgtEl>
+                                        <p:attrNameLst>
+                                          <p:attrName>style.visibility</p:attrName>
+                                        </p:attrNameLst>
+                                      </p:cBhvr>
+                                      <p:to>
+                                        <p:strVal val="visible"/>
+                                      </p:to>
+                                    </p:set>
+                                  </p:childTnLst>
+                                </p:cTn>
+                              </p:par>
+                              <p:par>
+                                <p:cTn id="7" presetClass="entr" nodeType="withEffect" presetSubtype="0" presetID="1" grpId="1" fill="hold">
+                                  <p:stCondLst>
+                                    <p:cond delay="0"/>
+                                  </p:stCondLst>
+                                  <p:iterate type="el" backwards="0">
+                                    <p:tmAbs val="0"/>
+                                  </p:iterate>
+                                  <p:childTnLst>
+                                    <p:set>
+                                      <p:cBhvr>
+                                        <p:cTn id="8" fill="hold"/>
+                                        <p:tgtEl>
+                                          <p:spTgt spid="129">
+                                            <p:txEl>
+                                              <p:pRg st="0" end="0"/>
+                                            </p:txEl>
+                                          </p:spTgt>
+                                        </p:tgtEl>
+                                        <p:attrNameLst>
+                                          <p:attrName>style.visibility</p:attrName>
+                                        </p:attrNameLst>
+                                      </p:cBhvr>
+                                      <p:to>
+                                        <p:strVal val="visible"/>
+                                      </p:to>
+                                    </p:set>
+                                  </p:childTnLst>
+                                </p:cTn>
+                              </p:par>
+                            </p:childTnLst>
+                          </p:cTn>
+                        </p:par>
+                      </p:childTnLst>
+                    </p:cTn>
+                  </p:par>
+                  <p:par>
+                    <p:cTn id="9" fill="hold">
+                      <p:stCondLst>
+                        <p:cond delay="indefinite"/>
+                      </p:stCondLst>
+                      <p:childTnLst>
+                        <p:par>
+                          <p:cTn id="10" fill="hold">
+                            <p:stCondLst>
+                              <p:cond delay="0"/>
+                            </p:stCondLst>
+                            <p:childTnLst>
+                              <p:par>
+                                <p:cTn id="11" presetClass="entr" nodeType="clickEffect" presetSubtype="0" presetID="1" grpId="1" fill="hold">
+                                  <p:stCondLst>
+                                    <p:cond delay="0"/>
+                                  </p:stCondLst>
+                                  <p:iterate type="el" backwards="0">
+                                    <p:tmAbs val="0"/>
+                                  </p:iterate>
+                                  <p:childTnLst>
+                                    <p:set>
+                                      <p:cBhvr>
+                                        <p:cTn id="12" fill="hold"/>
+                                        <p:tgtEl>
+                                          <p:spTgt spid="129">
+                                            <p:txEl>
+                                              <p:pRg st="1" end="1"/>
+                                            </p:txEl>
+                                          </p:spTgt>
+                                        </p:tgtEl>
+                                        <p:attrNameLst>
+                                          <p:attrName>style.visibility</p:attrName>
+                                        </p:attrNameLst>
+                                      </p:cBhvr>
+                                      <p:to>
+                                        <p:strVal val="visible"/>
+                                      </p:to>
+                                    </p:set>
+                                  </p:childTnLst>
+                                </p:cTn>
+                              </p:par>
+                            </p:childTnLst>
+                          </p:cTn>
+                        </p:par>
+                      </p:childTnLst>
+                    </p:cTn>
+                  </p:par>
+                  <p:par>
+                    <p:cTn id="13" fill="hold">
+                      <p:stCondLst>
+                        <p:cond delay="indefinite"/>
+                      </p:stCondLst>
+                      <p:childTnLst>
+                        <p:par>
+                          <p:cTn id="14" fill="hold">
+                            <p:stCondLst>
+                              <p:cond delay="0"/>
+                            </p:stCondLst>
+                            <p:childTnLst>
+                              <p:par>
+                                <p:cTn id="15" presetClass="entr" nodeType="clickEffect" presetSubtype="0" presetID="1" grpId="1" fill="hold">
+                                  <p:stCondLst>
+                                    <p:cond delay="0"/>
+                                  </p:stCondLst>
+                                  <p:iterate type="el" backwards="0">
+                                    <p:tmAbs val="0"/>
+                                  </p:iterate>
+                                  <p:childTnLst>
+                                    <p:set>
+                                      <p:cBhvr>
+                                        <p:cTn id="16" fill="hold"/>
+                                        <p:tgtEl>
+                                          <p:spTgt spid="129">
+                                            <p:txEl>
+                                              <p:pRg st="2" end="2"/>
+                                            </p:txEl>
+                                          </p:spTgt>
+                                        </p:tgtEl>
+                                        <p:attrNameLst>
+                                          <p:attrName>style.visibility</p:attrName>
+                                        </p:attrNameLst>
+                                      </p:cBhvr>
+                                      <p:to>
+                                        <p:strVal val="visible"/>
+                                      </p:to>
+                                    </p:set>
+                                  </p:childTnLst>
+                                </p:cTn>
+                              </p:par>
+                            </p:childTnLst>
+                          </p:cTn>
+                        </p:par>
+                      </p:childTnLst>
+                    </p:cTn>
+                  </p:par>
+                  <p:par>
+                    <p:cTn id="17" fill="hold">
+                      <p:stCondLst>
+                        <p:cond delay="indefinite"/>
+                      </p:stCondLst>
+                      <p:childTnLst>
+                        <p:par>
+                          <p:cTn id="18" fill="hold">
+                            <p:stCondLst>
+                              <p:cond delay="0"/>
+                            </p:stCondLst>
+                            <p:childTnLst>
+                              <p:par>
+                                <p:cTn id="19" presetClass="entr" nodeType="clickEffect" presetSubtype="0" presetID="1" grpId="2" fill="hold">
+                                  <p:stCondLst>
+                                    <p:cond delay="0"/>
+                                  </p:stCondLst>
+                                  <p:iterate type="el" backwards="0">
+                                    <p:tmAbs val="0"/>
+                                  </p:iterate>
+                                  <p:childTnLst>
+                                    <p:set>
+                                      <p:cBhvr>
+                                        <p:cTn id="20" fill="hold"/>
+                                        <p:tgtEl>
+                                          <p:spTgt spid="130"/>
+                                        </p:tgtEl>
+                                        <p:attrNameLst>
+                                          <p:attrName>style.visibility</p:attrName>
+                                        </p:attrNameLst>
+                                      </p:cBhvr>
+                                      <p:to>
+                                        <p:strVal val="visible"/>
+                                      </p:to>
+                                    </p:set>
+                                  </p:childTnLst>
+                                </p:cTn>
+                              </p:par>
+                            </p:childTnLst>
+                          </p:cTn>
+                        </p:par>
+                      </p:childTnLst>
+                    </p:cTn>
+                  </p:par>
+                </p:childTnLst>
+              </p:cTn>
+              <p:prevCondLst>
+                <p:cond evt="onPrev">
+                  <p:tgtEl>
+                    <p:sldTgt/>
+                  </p:tgtEl>
+                </p:cond>
+              </p:prevCondLst>
+              <p:nextCondLst>
+                <p:cond evt="onNext">
+                  <p:tgtEl>
+                    <p:sldTgt/>
+                  </p:tgtEl>
+                </p:cond>
+              </p:nextCondLst>
+            </p:seq>
+          </p:childTnLst>
+        </p:cTn>
+      </p:par>
+    </p:tnLst>
+    <p:bldLst>
+      <p:bldP build="p" bldLvl="5" animBg="1" rev="0" advAuto="0" spid="129" grpId="1"/>
+      <p:bldP build="whole" bldLvl="1" animBg="1" rev="0" advAuto="0" spid="130" grpId="2"/>
+    </p:bldLst>
+  </p:timing>
+</p:sld>
+</file>
+
+<file path=ppt/slides/slide5.xml><?xml version="1.0" encoding="utf-8"?>
+<p:sld xmlns:a="http://schemas.openxmlformats.org/drawingml/2006/main" xmlns:r="http://schemas.openxmlformats.org/officeDocument/2006/relationships" xmlns:p="http://schemas.openxmlformats.org/presentationml/2006/main" showMasterSp="1" showMasterPhAnim="1">
+  <p:cSld>
+    <p:bg>
+      <p:bgPr>
+        <a:blipFill rotWithShape="1">
+          <a:blip r:embed="rId2"/>
+          <a:srcRect l="0" t="0" r="0" b="0"/>
+          <a:tile tx="0" ty="0" sx="100000" sy="100000" flip="none" algn="tl"/>
+        </a:blipFill>
+      </p:bgPr>
+    </p:bg>
+    <p:spTree>
+      <p:nvGrpSpPr>
+        <p:cNvPr id="1" name=""/>
+        <p:cNvGrpSpPr/>
+        <p:nvPr/>
+      </p:nvGrpSpPr>
+      <p:grpSpPr>
+        <a:xfrm>
+          <a:off x="0" y="0"/>
+          <a:ext cx="0" cy="0"/>
+          <a:chOff x="0" y="0"/>
+          <a:chExt cx="0" cy="0"/>
+        </a:xfrm>
+      </p:grpSpPr>
       <p:sp>
         <p:nvSpPr>
-          <p:cNvPr id="132" name="…"/>
+          <p:cNvPr id="133" name="Initial Analysis"/>
+          <p:cNvSpPr txBox="1"/>
+          <p:nvPr>
+            <p:ph type="title"/>
+          </p:nvPr>
+        </p:nvSpPr>
+        <p:spPr>
+          <a:prstGeom prst="rect">
+            <a:avLst/>
+          </a:prstGeom>
+        </p:spPr>
+        <p:txBody>
+          <a:bodyPr/>
+          <a:lstStyle/>
+          <a:p>
+            <a:pPr/>
+            <a:r>
+              <a:t>Initial Analysis</a:t>
+            </a:r>
+          </a:p>
+        </p:txBody>
+      </p:sp>
+      <p:sp>
+        <p:nvSpPr>
+          <p:cNvPr id="134" name="Visually identify how certain features correspond with the labeled activity"/>
+          <p:cNvSpPr txBox="1"/>
+          <p:nvPr>
+            <p:ph type="body" idx="1"/>
+          </p:nvPr>
+        </p:nvSpPr>
+        <p:spPr>
+          <a:prstGeom prst="rect">
+            <a:avLst/>
+          </a:prstGeom>
+        </p:spPr>
+        <p:txBody>
+          <a:bodyPr anchor="t"/>
+          <a:lstStyle/>
+          <a:p>
+            <a:pPr/>
+            <a:r>
+              <a:t>Visually identify how certain features correspond with the labeled activity</a:t>
+            </a:r>
+          </a:p>
+        </p:txBody>
+      </p:sp>
+      <p:sp>
+        <p:nvSpPr>
+          <p:cNvPr id="135" name="Acceleration over Time"/>
           <p:cNvSpPr txBox="1"/>
           <p:nvPr/>
         </p:nvSpPr>
         <p:spPr>
           <a:xfrm>
-            <a:off x="11468099" y="2849220"/>
-            <a:ext cx="419101" cy="461060"/>
+            <a:off x="4766564" y="3871570"/>
+            <a:ext cx="3471673" cy="461060"/>
           </a:xfrm>
           <a:prstGeom prst="rect">
             <a:avLst/>
@@ -3677,23 +4408,231 @@
           <a:p>
             <a:pPr/>
             <a:r>
-              <a:t>…</a:t>
+              <a:rPr>
+                <a:solidFill>
+                  <a:schemeClr val="accent4">
+                    <a:hueOff val="468000"/>
+                    <a:satOff val="-4761"/>
+                    <a:lumOff val="10196"/>
+                  </a:schemeClr>
+                </a:solidFill>
+              </a:rPr>
+              <a:t>Acceleration</a:t>
+            </a:r>
+            <a:r>
+              <a:t> over Time</a:t>
             </a:r>
           </a:p>
         </p:txBody>
       </p:sp>
+      <p:pic>
+        <p:nvPicPr>
+          <p:cNvPr id="136" name="ex3.png" descr="ex3.png"/>
+          <p:cNvPicPr>
+            <a:picLocks noChangeAspect="1"/>
+          </p:cNvPicPr>
+          <p:nvPr/>
+        </p:nvPicPr>
+        <p:blipFill>
+          <a:blip r:embed="rId3">
+            <a:extLst/>
+          </a:blip>
+          <a:stretch>
+            <a:fillRect/>
+          </a:stretch>
+        </p:blipFill>
+        <p:spPr>
+          <a:xfrm>
+            <a:off x="2340993" y="4225779"/>
+            <a:ext cx="8322814" cy="5823738"/>
+          </a:xfrm>
+          <a:prstGeom prst="rect">
+            <a:avLst/>
+          </a:prstGeom>
+          <a:ln w="12700">
+            <a:miter lim="400000"/>
+          </a:ln>
+        </p:spPr>
+      </p:pic>
     </p:spTree>
   </p:cSld>
   <p:clrMapOvr>
     <a:masterClrMapping/>
   </p:clrMapOvr>
   <p:transition xmlns:p14="http://schemas.microsoft.com/office/powerpoint/2010/main" spd="med" advClick="1"/>
+  <p:timing>
+    <p:tnLst>
+      <p:par>
+        <p:cTn id="1" nodeType="tmRoot" restart="never" dur="indefinite" fill="hold">
+          <p:childTnLst>
+            <p:seq concurrent="1" prevAc="none" nextAc="seek">
+              <p:cTn id="2" nodeType="mainSeq" dur="indefinite" fill="hold">
+                <p:childTnLst>
+                  <p:par>
+                    <p:cTn id="3" fill="hold">
+                      <p:stCondLst>
+                        <p:cond delay="indefinite"/>
+                      </p:stCondLst>
+                      <p:childTnLst>
+                        <p:par>
+                          <p:cTn id="4" fill="hold">
+                            <p:stCondLst>
+                              <p:cond delay="0"/>
+                            </p:stCondLst>
+                            <p:childTnLst>
+                              <p:par>
+                                <p:cTn id="5" presetClass="entr" nodeType="clickEffect" presetSubtype="0" presetID="1" grpId="1" fill="hold">
+                                  <p:stCondLst>
+                                    <p:cond delay="0"/>
+                                  </p:stCondLst>
+                                  <p:iterate type="el" backwards="0">
+                                    <p:tmAbs val="0"/>
+                                  </p:iterate>
+                                  <p:childTnLst>
+                                    <p:set>
+                                      <p:cBhvr>
+                                        <p:cTn id="6" fill="hold"/>
+                                        <p:tgtEl>
+                                          <p:spTgt spid="134"/>
+                                        </p:tgtEl>
+                                        <p:attrNameLst>
+                                          <p:attrName>style.visibility</p:attrName>
+                                        </p:attrNameLst>
+                                      </p:cBhvr>
+                                      <p:to>
+                                        <p:strVal val="visible"/>
+                                      </p:to>
+                                    </p:set>
+                                  </p:childTnLst>
+                                </p:cTn>
+                              </p:par>
+                            </p:childTnLst>
+                          </p:cTn>
+                        </p:par>
+                      </p:childTnLst>
+                    </p:cTn>
+                  </p:par>
+                  <p:par>
+                    <p:cTn id="7" fill="hold">
+                      <p:stCondLst>
+                        <p:cond delay="indefinite"/>
+                      </p:stCondLst>
+                      <p:childTnLst>
+                        <p:par>
+                          <p:cTn id="8" fill="hold">
+                            <p:stCondLst>
+                              <p:cond delay="0"/>
+                            </p:stCondLst>
+                            <p:childTnLst>
+                              <p:par>
+                                <p:cTn id="9" presetClass="entr" nodeType="clickEffect" presetSubtype="0" presetID="1" grpId="2" fill="hold">
+                                  <p:stCondLst>
+                                    <p:cond delay="0"/>
+                                  </p:stCondLst>
+                                  <p:iterate type="el" backwards="0">
+                                    <p:tmAbs val="0"/>
+                                  </p:iterate>
+                                  <p:childTnLst>
+                                    <p:set>
+                                      <p:cBhvr>
+                                        <p:cTn id="10" fill="hold"/>
+                                        <p:tgtEl>
+                                          <p:spTgt spid="135"/>
+                                        </p:tgtEl>
+                                        <p:attrNameLst>
+                                          <p:attrName>style.visibility</p:attrName>
+                                        </p:attrNameLst>
+                                      </p:cBhvr>
+                                      <p:to>
+                                        <p:strVal val="visible"/>
+                                      </p:to>
+                                    </p:set>
+                                  </p:childTnLst>
+                                </p:cTn>
+                              </p:par>
+                            </p:childTnLst>
+                          </p:cTn>
+                        </p:par>
+                        <p:par>
+                          <p:cTn id="11" fill="hold">
+                            <p:stCondLst>
+                              <p:cond delay="0"/>
+                            </p:stCondLst>
+                            <p:childTnLst>
+                              <p:par>
+                                <p:cTn id="12" presetClass="entr" nodeType="afterEffect" presetSubtype="0" presetID="1" grpId="3" fill="hold">
+                                  <p:stCondLst>
+                                    <p:cond delay="0"/>
+                                  </p:stCondLst>
+                                  <p:iterate type="el" backwards="0">
+                                    <p:tmAbs val="0"/>
+                                  </p:iterate>
+                                  <p:childTnLst>
+                                    <p:set>
+                                      <p:cBhvr>
+                                        <p:cTn id="13" fill="hold"/>
+                                        <p:tgtEl>
+                                          <p:spTgt spid="136"/>
+                                        </p:tgtEl>
+                                        <p:attrNameLst>
+                                          <p:attrName>style.visibility</p:attrName>
+                                        </p:attrNameLst>
+                                      </p:cBhvr>
+                                      <p:to>
+                                        <p:strVal val="visible"/>
+                                      </p:to>
+                                    </p:set>
+                                  </p:childTnLst>
+                                </p:cTn>
+                              </p:par>
+                            </p:childTnLst>
+                          </p:cTn>
+                        </p:par>
+                      </p:childTnLst>
+                    </p:cTn>
+                  </p:par>
+                </p:childTnLst>
+              </p:cTn>
+              <p:prevCondLst>
+                <p:cond evt="onPrev">
+                  <p:tgtEl>
+                    <p:sldTgt/>
+                  </p:tgtEl>
+                </p:cond>
+              </p:prevCondLst>
+              <p:nextCondLst>
+                <p:cond evt="onNext">
+                  <p:tgtEl>
+                    <p:sldTgt/>
+                  </p:tgtEl>
+                </p:cond>
+              </p:nextCondLst>
+            </p:seq>
+          </p:childTnLst>
+        </p:cTn>
+      </p:par>
+    </p:tnLst>
+    <p:bldLst>
+      <p:bldP build="whole" bldLvl="1" animBg="1" rev="0" advAuto="0" spid="134" grpId="1"/>
+      <p:bldP build="whole" bldLvl="1" animBg="1" rev="0" advAuto="0" spid="135" grpId="2"/>
+      <p:bldP build="whole" bldLvl="1" animBg="1" rev="0" advAuto="0" spid="136" grpId="3"/>
+    </p:bldLst>
+  </p:timing>
 </p:sld>
 </file>
 
-<file path=ppt/slides/slide5.xml><?xml version="1.0" encoding="utf-8"?>
+<file path=ppt/slides/slide6.xml><?xml version="1.0" encoding="utf-8"?>
 <p:sld xmlns:a="http://schemas.openxmlformats.org/drawingml/2006/main" xmlns:r="http://schemas.openxmlformats.org/officeDocument/2006/relationships" xmlns:p="http://schemas.openxmlformats.org/presentationml/2006/main" showMasterSp="1" showMasterPhAnim="1">
   <p:cSld>
+    <p:bg>
+      <p:bgPr>
+        <a:blipFill rotWithShape="1">
+          <a:blip r:embed="rId2"/>
+          <a:srcRect l="0" t="0" r="0" b="0"/>
+          <a:tile tx="0" ty="0" sx="100000" sy="100000" flip="none" algn="tl"/>
+        </a:blipFill>
+      </p:bgPr>
+    </p:bg>
     <p:spTree>
       <p:nvGrpSpPr>
         <p:cNvPr id="1" name=""/>
@@ -3710,7 +4649,7 @@
       </p:grpSpPr>
       <p:sp>
         <p:nvSpPr>
-          <p:cNvPr id="134" name="Initial Analysis"/>
+          <p:cNvPr id="138" name="Initial Analysis - cont."/>
           <p:cNvSpPr txBox="1"/>
           <p:nvPr>
             <p:ph type="title"/>
@@ -3727,67 +4666,14 @@
           <a:p>
             <a:pPr/>
             <a:r>
-              <a:t>Initial Analysis</a:t>
-            </a:r>
-          </a:p>
-        </p:txBody>
-      </p:sp>
-      <p:sp>
-        <p:nvSpPr>
-          <p:cNvPr id="135" name="Visually identify how certain features correspond with the labeled activity"/>
-          <p:cNvSpPr txBox="1"/>
-          <p:nvPr>
-            <p:ph type="body" idx="1"/>
-          </p:nvPr>
-        </p:nvSpPr>
-        <p:spPr>
-          <a:prstGeom prst="rect">
-            <a:avLst/>
-          </a:prstGeom>
-        </p:spPr>
-        <p:txBody>
-          <a:bodyPr anchor="t"/>
-          <a:lstStyle/>
-          <a:p>
-            <a:pPr/>
-            <a:r>
-              <a:t>Visually identify how certain features correspond with the labeled activity</a:t>
+              <a:t>Initial Analysis - cont.</a:t>
             </a:r>
           </a:p>
         </p:txBody>
       </p:sp>
       <p:pic>
         <p:nvPicPr>
-          <p:cNvPr id="136" name="Image" descr="Image"/>
-          <p:cNvPicPr>
-            <a:picLocks noChangeAspect="1"/>
-          </p:cNvPicPr>
-          <p:nvPr/>
-        </p:nvPicPr>
-        <p:blipFill>
-          <a:blip r:embed="rId2">
-            <a:extLst/>
-          </a:blip>
-          <a:stretch>
-            <a:fillRect/>
-          </a:stretch>
-        </p:blipFill>
-        <p:spPr>
-          <a:xfrm>
-            <a:off x="704850" y="4641850"/>
-            <a:ext cx="5448300" cy="3898900"/>
-          </a:xfrm>
-          <a:prstGeom prst="rect">
-            <a:avLst/>
-          </a:prstGeom>
-          <a:ln w="12700">
-            <a:miter lim="400000"/>
-          </a:ln>
-        </p:spPr>
-      </p:pic>
-      <p:pic>
-        <p:nvPicPr>
-          <p:cNvPr id="137" name="Image" descr="Image"/>
+          <p:cNvPr id="139" name="ex1.png" descr="ex1.png"/>
           <p:cNvPicPr>
             <a:picLocks noChangeAspect="1"/>
           </p:cNvPicPr>
@@ -3803,87 +4689,8 @@
         </p:blipFill>
         <p:spPr>
           <a:xfrm>
-            <a:off x="6959600" y="4591050"/>
-            <a:ext cx="5511800" cy="4000500"/>
-          </a:xfrm>
-          <a:prstGeom prst="rect">
-            <a:avLst/>
-          </a:prstGeom>
-          <a:ln w="12700">
-            <a:miter lim="400000"/>
-          </a:ln>
-        </p:spPr>
-      </p:pic>
-    </p:spTree>
-  </p:cSld>
-  <p:clrMapOvr>
-    <a:masterClrMapping/>
-  </p:clrMapOvr>
-  <p:transition xmlns:p14="http://schemas.microsoft.com/office/powerpoint/2010/main" spd="med" advClick="1"/>
-</p:sld>
-</file>
-
-<file path=ppt/slides/slide6.xml><?xml version="1.0" encoding="utf-8"?>
-<p:sld xmlns:a="http://schemas.openxmlformats.org/drawingml/2006/main" xmlns:r="http://schemas.openxmlformats.org/officeDocument/2006/relationships" xmlns:p="http://schemas.openxmlformats.org/presentationml/2006/main" showMasterSp="1" showMasterPhAnim="1">
-  <p:cSld>
-    <p:spTree>
-      <p:nvGrpSpPr>
-        <p:cNvPr id="1" name=""/>
-        <p:cNvGrpSpPr/>
-        <p:nvPr/>
-      </p:nvGrpSpPr>
-      <p:grpSpPr>
-        <a:xfrm>
-          <a:off x="0" y="0"/>
-          <a:ext cx="0" cy="0"/>
-          <a:chOff x="0" y="0"/>
-          <a:chExt cx="0" cy="0"/>
-        </a:xfrm>
-      </p:grpSpPr>
-      <p:sp>
-        <p:nvSpPr>
-          <p:cNvPr id="139" name="Initial Analysis - cont."/>
-          <p:cNvSpPr txBox="1"/>
-          <p:nvPr>
-            <p:ph type="title"/>
-          </p:nvPr>
-        </p:nvSpPr>
-        <p:spPr>
-          <a:prstGeom prst="rect">
-            <a:avLst/>
-          </a:prstGeom>
-        </p:spPr>
-        <p:txBody>
-          <a:bodyPr/>
-          <a:lstStyle/>
-          <a:p>
-            <a:pPr/>
-            <a:r>
-              <a:t>Initial Analysis - cont.</a:t>
-            </a:r>
-          </a:p>
-        </p:txBody>
-      </p:sp>
-      <p:pic>
-        <p:nvPicPr>
-          <p:cNvPr id="140" name="Image" descr="Image"/>
-          <p:cNvPicPr>
-            <a:picLocks noChangeAspect="1"/>
-          </p:cNvPicPr>
-          <p:nvPr/>
-        </p:nvPicPr>
-        <p:blipFill>
-          <a:blip r:embed="rId2">
-            <a:extLst/>
-          </a:blip>
-          <a:stretch>
-            <a:fillRect/>
-          </a:stretch>
-        </p:blipFill>
-        <p:spPr>
-          <a:xfrm>
-            <a:off x="3371850" y="2139950"/>
-            <a:ext cx="5727700" cy="3721100"/>
+            <a:off x="1765300" y="2425700"/>
+            <a:ext cx="9474200" cy="6629400"/>
           </a:xfrm>
           <a:prstGeom prst="rect">
             <a:avLst/>
@@ -3895,36 +4702,7 @@
       </p:pic>
       <p:pic>
         <p:nvPicPr>
-          <p:cNvPr id="141" name="Image" descr="Image"/>
-          <p:cNvPicPr>
-            <a:picLocks noChangeAspect="1"/>
-          </p:cNvPicPr>
-          <p:nvPr/>
-        </p:nvPicPr>
-        <p:blipFill>
-          <a:blip r:embed="rId3">
-            <a:extLst/>
-          </a:blip>
-          <a:stretch>
-            <a:fillRect/>
-          </a:stretch>
-        </p:blipFill>
-        <p:spPr>
-          <a:xfrm>
-            <a:off x="3416300" y="6083300"/>
-            <a:ext cx="5638800" cy="3886200"/>
-          </a:xfrm>
-          <a:prstGeom prst="rect">
-            <a:avLst/>
-          </a:prstGeom>
-          <a:ln w="12700">
-            <a:miter lim="400000"/>
-          </a:ln>
-        </p:spPr>
-      </p:pic>
-      <p:pic>
-        <p:nvPicPr>
-          <p:cNvPr id="142" name="Image" descr="Image"/>
+          <p:cNvPr id="140" name="plane.jpg" descr="plane.jpg"/>
           <p:cNvPicPr>
             <a:picLocks noChangeAspect="1"/>
           </p:cNvPicPr>
@@ -3940,8 +4718,8 @@
         </p:blipFill>
         <p:spPr>
           <a:xfrm>
-            <a:off x="10260196" y="7774916"/>
-            <a:ext cx="2758707" cy="1963468"/>
+            <a:off x="10437901" y="7915134"/>
+            <a:ext cx="2584670" cy="1839599"/>
           </a:xfrm>
           <a:prstGeom prst="rect">
             <a:avLst/>
@@ -3951,18 +4729,221 @@
           </a:ln>
         </p:spPr>
       </p:pic>
+      <p:pic>
+        <p:nvPicPr>
+          <p:cNvPr id="141" name="ex2.png" descr="ex2.png"/>
+          <p:cNvPicPr>
+            <a:picLocks noChangeAspect="1"/>
+          </p:cNvPicPr>
+          <p:nvPr/>
+        </p:nvPicPr>
+        <p:blipFill>
+          <a:blip r:embed="rId5">
+            <a:extLst/>
+          </a:blip>
+          <a:stretch>
+            <a:fillRect/>
+          </a:stretch>
+        </p:blipFill>
+        <p:spPr>
+          <a:xfrm>
+            <a:off x="1765300" y="2425700"/>
+            <a:ext cx="9474200" cy="6629400"/>
+          </a:xfrm>
+          <a:prstGeom prst="rect">
+            <a:avLst/>
+          </a:prstGeom>
+          <a:ln w="12700">
+            <a:miter lim="400000"/>
+          </a:ln>
+        </p:spPr>
+      </p:pic>
+      <p:sp>
+        <p:nvSpPr>
+          <p:cNvPr id="142" name="Attitude over Time"/>
+          <p:cNvSpPr txBox="1"/>
+          <p:nvPr/>
+        </p:nvSpPr>
+        <p:spPr>
+          <a:xfrm>
+            <a:off x="5107787" y="2157070"/>
+            <a:ext cx="2789226" cy="461060"/>
+          </a:xfrm>
+          <a:prstGeom prst="rect">
+            <a:avLst/>
+          </a:prstGeom>
+          <a:ln w="12700">
+            <a:miter lim="400000"/>
+          </a:ln>
+          <a:extLst>
+            <a:ext uri="{C572A759-6A51-4108-AA02-DFA0A04FC94B}">
+              <ma14:wrappingTextBoxFlag xmlns:ma14="http://schemas.microsoft.com/office/mac/drawingml/2011/main" val="1"/>
+            </a:ext>
+          </a:extLst>
+        </p:spPr>
+        <p:txBody>
+          <a:bodyPr wrap="none" lIns="50800" tIns="50800" rIns="50800" bIns="50800" anchor="ctr">
+            <a:spAutoFit/>
+          </a:bodyPr>
+          <a:lstStyle/>
+          <a:p>
+            <a:pPr/>
+            <a:r>
+              <a:rPr>
+                <a:solidFill>
+                  <a:schemeClr val="accent4">
+                    <a:hueOff val="468000"/>
+                    <a:satOff val="-4761"/>
+                    <a:lumOff val="10196"/>
+                  </a:schemeClr>
+                </a:solidFill>
+              </a:rPr>
+              <a:t>Attitude</a:t>
+            </a:r>
+            <a:r>
+              <a:t> over Time</a:t>
+            </a:r>
+          </a:p>
+        </p:txBody>
+      </p:sp>
     </p:spTree>
   </p:cSld>
   <p:clrMapOvr>
     <a:masterClrMapping/>
   </p:clrMapOvr>
   <p:transition xmlns:p14="http://schemas.microsoft.com/office/powerpoint/2010/main" spd="med" advClick="1"/>
+  <p:timing>
+    <p:tnLst>
+      <p:par>
+        <p:cTn id="1" nodeType="tmRoot" restart="never" dur="indefinite" fill="hold">
+          <p:childTnLst>
+            <p:seq concurrent="1" prevAc="none" nextAc="seek">
+              <p:cTn id="2" nodeType="mainSeq" dur="indefinite" fill="hold">
+                <p:childTnLst>
+                  <p:par>
+                    <p:cTn id="3" fill="hold">
+                      <p:stCondLst>
+                        <p:cond delay="indefinite"/>
+                      </p:stCondLst>
+                      <p:childTnLst>
+                        <p:par>
+                          <p:cTn id="4" fill="hold">
+                            <p:stCondLst>
+                              <p:cond delay="0"/>
+                            </p:stCondLst>
+                            <p:childTnLst>
+                              <p:par>
+                                <p:cTn id="5" presetClass="exit" nodeType="clickEffect" presetSubtype="0" presetID="1" grpId="1" fill="hold">
+                                  <p:stCondLst>
+                                    <p:cond delay="0"/>
+                                  </p:stCondLst>
+                                  <p:iterate type="el" backwards="0">
+                                    <p:tmAbs val="0"/>
+                                  </p:iterate>
+                                  <p:childTnLst>
+                                    <p:set>
+                                      <p:cBhvr>
+                                        <p:cTn id="6" fill="hold">
+                                          <p:stCondLst>
+                                            <p:cond delay="0"/>
+                                          </p:stCondLst>
+                                        </p:cTn>
+                                        <p:tgtEl>
+                                          <p:spTgt spid="139"/>
+                                        </p:tgtEl>
+                                        <p:attrNameLst>
+                                          <p:attrName>style.visibility</p:attrName>
+                                        </p:attrNameLst>
+                                      </p:cBhvr>
+                                      <p:to>
+                                        <p:strVal val="hidden"/>
+                                      </p:to>
+                                    </p:set>
+                                  </p:childTnLst>
+                                </p:cTn>
+                              </p:par>
+                            </p:childTnLst>
+                          </p:cTn>
+                        </p:par>
+                        <p:par>
+                          <p:cTn id="7" fill="hold">
+                            <p:stCondLst>
+                              <p:cond delay="0"/>
+                            </p:stCondLst>
+                            <p:childTnLst>
+                              <p:par>
+                                <p:cTn id="8" presetClass="entr" nodeType="afterEffect" presetSubtype="0" presetID="1" grpId="2" fill="hold">
+                                  <p:stCondLst>
+                                    <p:cond delay="0"/>
+                                  </p:stCondLst>
+                                  <p:iterate type="el" backwards="0">
+                                    <p:tmAbs val="0"/>
+                                  </p:iterate>
+                                  <p:childTnLst>
+                                    <p:set>
+                                      <p:cBhvr>
+                                        <p:cTn id="9" fill="hold"/>
+                                        <p:tgtEl>
+                                          <p:spTgt spid="141"/>
+                                        </p:tgtEl>
+                                        <p:attrNameLst>
+                                          <p:attrName>style.visibility</p:attrName>
+                                        </p:attrNameLst>
+                                      </p:cBhvr>
+                                      <p:to>
+                                        <p:strVal val="visible"/>
+                                      </p:to>
+                                    </p:set>
+                                  </p:childTnLst>
+                                </p:cTn>
+                              </p:par>
+                            </p:childTnLst>
+                          </p:cTn>
+                        </p:par>
+                      </p:childTnLst>
+                    </p:cTn>
+                  </p:par>
+                </p:childTnLst>
+              </p:cTn>
+              <p:prevCondLst>
+                <p:cond evt="onPrev">
+                  <p:tgtEl>
+                    <p:sldTgt/>
+                  </p:tgtEl>
+                </p:cond>
+              </p:prevCondLst>
+              <p:nextCondLst>
+                <p:cond evt="onNext">
+                  <p:tgtEl>
+                    <p:sldTgt/>
+                  </p:tgtEl>
+                </p:cond>
+              </p:nextCondLst>
+            </p:seq>
+          </p:childTnLst>
+        </p:cTn>
+      </p:par>
+    </p:tnLst>
+    <p:bldLst>
+      <p:bldP build="whole" bldLvl="1" animBg="1" rev="0" advAuto="0" spid="139" grpId="1"/>
+      <p:bldP build="whole" bldLvl="1" animBg="1" rev="0" advAuto="0" spid="141" grpId="2"/>
+    </p:bldLst>
+  </p:timing>
 </p:sld>
 </file>
 
 <file path=ppt/slides/slide7.xml><?xml version="1.0" encoding="utf-8"?>
 <p:sld xmlns:a="http://schemas.openxmlformats.org/drawingml/2006/main" xmlns:r="http://schemas.openxmlformats.org/officeDocument/2006/relationships" xmlns:p="http://schemas.openxmlformats.org/presentationml/2006/main" showMasterSp="1" showMasterPhAnim="1">
   <p:cSld>
+    <p:bg>
+      <p:bgPr>
+        <a:blipFill rotWithShape="1">
+          <a:blip r:embed="rId2"/>
+          <a:srcRect l="0" t="0" r="0" b="0"/>
+          <a:tile tx="0" ty="0" sx="100000" sy="100000" flip="none" algn="tl"/>
+        </a:blipFill>
+      </p:bgPr>
+    </p:bg>
     <p:spTree>
       <p:nvGrpSpPr>
         <p:cNvPr id="1" name=""/>
@@ -4030,13 +5011,9 @@
             <a:r>
               <a:rPr u="sng">
                 <a:solidFill>
-                  <a:schemeClr val="accent2">
-                    <a:hueOff val="-177681"/>
-                    <a:satOff val="-17391"/>
-                    <a:lumOff val="16666"/>
-                  </a:schemeClr>
+                  <a:srgbClr val="A9A9A9"/>
                 </a:solidFill>
-                <a:hlinkClick r:id="rId2" invalidUrl="" action="" tgtFrame="" tooltip="" history="1" highlightClick="0" endSnd="0"/>
+                <a:hlinkClick r:id="rId3" invalidUrl="" action="" tgtFrame="" tooltip="" history="1" highlightClick="0" endSnd="0"/>
               </a:rPr>
               <a:t>https://github.com/idocal/workshop/blob/master/MotionSenese/initial-analysis.ipynb</a:t>
             </a:r>

--- a/MotionSenese/Presentation1.pptx
+++ b/MotionSenese/Presentation1.pptx
@@ -3220,11 +3220,11 @@
             </a:r>
             <a:br/>
             <a:r>
+              <a:t>- Data is only meaningful as bulks</a:t>
+            </a:r>
+            <a:br/>
+            <a:r>
               <a:t>- Raw data do not fit classic ML algorithm</a:t>
-            </a:r>
-            <a:br/>
-            <a:r>
-              <a:t>- Data is only meaningful as bulks</a:t>
             </a:r>
           </a:p>
         </p:txBody>
@@ -3572,7 +3572,7 @@
           <a:p>
             <a:pPr/>
             <a:r>
-              <a:t>24 participants</a:t>
+              <a:t>24 participants,</a:t>
             </a:r>
             <a:r>
               <a:rPr>
@@ -3584,7 +3584,7 @@
                   </a:schemeClr>
                 </a:solidFill>
               </a:rPr>
-              <a:t>, </a:t>
+              <a:t> </a:t>
             </a:r>
             <a:r>
               <a:t>15 trials, ~4000 snapshots per trial, ~1.5M rows</a:t>
@@ -4004,8 +4004,8 @@
         </p:blipFill>
         <p:spPr>
           <a:xfrm>
-            <a:off x="8237681" y="5749764"/>
-            <a:ext cx="4238338" cy="3016572"/>
+            <a:off x="8237680" y="5749764"/>
+            <a:ext cx="4238339" cy="3016572"/>
           </a:xfrm>
           <a:prstGeom prst="rect">
             <a:avLst/>
@@ -4296,8 +4296,8 @@
       </p:par>
     </p:tnLst>
     <p:bldLst>
+      <p:bldP build="whole" bldLvl="1" animBg="1" rev="0" advAuto="0" spid="130" grpId="2"/>
       <p:bldP build="p" bldLvl="5" animBg="1" rev="0" advAuto="0" spid="129" grpId="1"/>
-      <p:bldP build="whole" bldLvl="1" animBg="1" rev="0" advAuto="0" spid="130" grpId="2"/>
     </p:bldLst>
   </p:timing>
 </p:sld>
@@ -4718,8 +4718,8 @@
         </p:blipFill>
         <p:spPr>
           <a:xfrm>
-            <a:off x="10437901" y="7915134"/>
-            <a:ext cx="2584670" cy="1839599"/>
+            <a:off x="10437901" y="7915133"/>
+            <a:ext cx="2584670" cy="1839600"/>
           </a:xfrm>
           <a:prstGeom prst="rect">
             <a:avLst/>
@@ -4925,8 +4925,8 @@
       </p:par>
     </p:tnLst>
     <p:bldLst>
+      <p:bldP build="whole" bldLvl="1" animBg="1" rev="0" advAuto="0" spid="141" grpId="2"/>
       <p:bldP build="whole" bldLvl="1" animBg="1" rev="0" advAuto="0" spid="139" grpId="1"/>
-      <p:bldP build="whole" bldLvl="1" animBg="1" rev="0" advAuto="0" spid="141" grpId="2"/>
     </p:bldLst>
   </p:timing>
 </p:sld>

--- a/MotionSenese/Presentation1.pptx
+++ b/MotionSenese/Presentation1.pptx
@@ -3858,7 +3858,7 @@
       </p:sp>
       <p:sp>
         <p:nvSpPr>
-          <p:cNvPr id="129" name="Each row is a labeled time snapshot with 12 features: attitude, gravity, acceleration, rotation (3 axes each)…"/>
+          <p:cNvPr id="129" name="Each row is a labeled time snapshot with 12 features: acceleration, rotation, gravity, attitude (3 axes each)…"/>
           <p:cNvSpPr txBox="1"/>
           <p:nvPr>
             <p:ph type="body" idx="1"/>
@@ -3890,34 +3890,6 @@
                   </a:schemeClr>
                 </a:solidFill>
               </a:rPr>
-              <a:t>attitude</a:t>
-            </a:r>
-            <a:r>
-              <a:t>, </a:t>
-            </a:r>
-            <a:r>
-              <a:rPr>
-                <a:solidFill>
-                  <a:schemeClr val="accent4">
-                    <a:hueOff val="-624705"/>
-                    <a:lumOff val="1372"/>
-                  </a:schemeClr>
-                </a:solidFill>
-              </a:rPr>
-              <a:t>gravity</a:t>
-            </a:r>
-            <a:r>
-              <a:t>, </a:t>
-            </a:r>
-            <a:r>
-              <a:rPr>
-                <a:solidFill>
-                  <a:schemeClr val="accent4">
-                    <a:hueOff val="-624705"/>
-                    <a:lumOff val="1372"/>
-                  </a:schemeClr>
-                </a:solidFill>
-              </a:rPr>
               <a:t>acceleration</a:t>
             </a:r>
             <a:r>
@@ -3933,6 +3905,34 @@
                 </a:solidFill>
               </a:rPr>
               <a:t>rotation</a:t>
+            </a:r>
+            <a:r>
+              <a:t>,</a:t>
+            </a:r>
+            <a:r>
+              <a:rPr>
+                <a:solidFill>
+                  <a:schemeClr val="accent4">
+                    <a:hueOff val="-624705"/>
+                    <a:lumOff val="1372"/>
+                  </a:schemeClr>
+                </a:solidFill>
+              </a:rPr>
+              <a:t> gravity</a:t>
+            </a:r>
+            <a:r>
+              <a:t>, </a:t>
+            </a:r>
+            <a:r>
+              <a:rPr>
+                <a:solidFill>
+                  <a:schemeClr val="accent4">
+                    <a:hueOff val="-624705"/>
+                    <a:lumOff val="1372"/>
+                  </a:schemeClr>
+                </a:solidFill>
+              </a:rPr>
+              <a:t>attitude</a:t>
             </a:r>
             <a:r>
               <a:t> (3 axes each)</a:t>
@@ -4613,9 +4613,9 @@
       </p:par>
     </p:tnLst>
     <p:bldLst>
-      <p:bldP build="whole" bldLvl="1" animBg="1" rev="0" advAuto="0" spid="134" grpId="1"/>
       <p:bldP build="whole" bldLvl="1" animBg="1" rev="0" advAuto="0" spid="135" grpId="2"/>
       <p:bldP build="whole" bldLvl="1" animBg="1" rev="0" advAuto="0" spid="136" grpId="3"/>
+      <p:bldP build="whole" bldLvl="1" animBg="1" rev="0" advAuto="0" spid="134" grpId="1"/>
     </p:bldLst>
   </p:timing>
 </p:sld>
@@ -4925,8 +4925,8 @@
       </p:par>
     </p:tnLst>
     <p:bldLst>
+      <p:bldP build="whole" bldLvl="1" animBg="1" rev="0" advAuto="0" spid="139" grpId="1"/>
       <p:bldP build="whole" bldLvl="1" animBg="1" rev="0" advAuto="0" spid="141" grpId="2"/>
-      <p:bldP build="whole" bldLvl="1" animBg="1" rev="0" advAuto="0" spid="139" grpId="1"/>
     </p:bldLst>
   </p:timing>
 </p:sld>
